--- a/Table2_Approach.pptx
+++ b/Table2_Approach.pptx
@@ -5,10 +5,11 @@
     <p:sldMasterId id="2147483745" r:id="rId4"/>
   </p:sldMasterIdLst>
   <p:notesMasterIdLst>
-    <p:notesMasterId r:id="rId6"/>
+    <p:notesMasterId r:id="rId7"/>
   </p:notesMasterIdLst>
   <p:sldIdLst>
     <p:sldId id="576789999" r:id="rId5"/>
+    <p:sldId id="576790000" r:id="rId6"/>
   </p:sldIdLst>
   <p:sldSz cx="12192000" cy="6858000"/>
   <p:notesSz cx="6858000" cy="9144000"/>
@@ -186,7 +187,7 @@
           <p:cNvPr id="2" name="Header Placeholder 1">
             <a:extLst>
               <a:ext uri="{FF2B5EF4-FFF2-40B4-BE49-F238E27FC236}">
-                <a16:creationId xmlns:a16="http://schemas.microsoft.com/office/drawing/2014/main" xmlns="" id="{D1D5D605-19BA-44EC-9D52-725B96176642}"/>
+                <a16:creationId xmlns="" xmlns:a16="http://schemas.microsoft.com/office/drawing/2014/main" id="{D1D5D605-19BA-44EC-9D52-725B96176642}"/>
               </a:ext>
             </a:extLst>
           </p:cNvPr>
@@ -226,7 +227,7 @@
           <p:cNvPr id="3" name="Date Placeholder 2">
             <a:extLst>
               <a:ext uri="{FF2B5EF4-FFF2-40B4-BE49-F238E27FC236}">
-                <a16:creationId xmlns:a16="http://schemas.microsoft.com/office/drawing/2014/main" xmlns="" id="{4D59B6DC-D025-4DDD-81D2-4CC9EB66FAA3}"/>
+                <a16:creationId xmlns="" xmlns:a16="http://schemas.microsoft.com/office/drawing/2014/main" id="{4D59B6DC-D025-4DDD-81D2-4CC9EB66FAA3}"/>
               </a:ext>
             </a:extLst>
           </p:cNvPr>
@@ -273,7 +274,7 @@
           <p:cNvPr id="4" name="Slide Image Placeholder 3">
             <a:extLst>
               <a:ext uri="{FF2B5EF4-FFF2-40B4-BE49-F238E27FC236}">
-                <a16:creationId xmlns:a16="http://schemas.microsoft.com/office/drawing/2014/main" xmlns="" id="{81FC59F4-D4E2-4B7D-91BB-3698870BB7C8}"/>
+                <a16:creationId xmlns="" xmlns:a16="http://schemas.microsoft.com/office/drawing/2014/main" id="{81FC59F4-D4E2-4B7D-91BB-3698870BB7C8}"/>
               </a:ext>
             </a:extLst>
           </p:cNvPr>
@@ -313,7 +314,7 @@
           <p:cNvPr id="5" name="Notes Placeholder 4">
             <a:extLst>
               <a:ext uri="{FF2B5EF4-FFF2-40B4-BE49-F238E27FC236}">
-                <a16:creationId xmlns:a16="http://schemas.microsoft.com/office/drawing/2014/main" xmlns="" id="{D1995AEA-1E66-4F15-AF65-09BD13B11F9B}"/>
+                <a16:creationId xmlns="" xmlns:a16="http://schemas.microsoft.com/office/drawing/2014/main" id="{D1995AEA-1E66-4F15-AF65-09BD13B11F9B}"/>
               </a:ext>
             </a:extLst>
           </p:cNvPr>
@@ -378,7 +379,7 @@
           <p:cNvPr id="6" name="Footer Placeholder 5">
             <a:extLst>
               <a:ext uri="{FF2B5EF4-FFF2-40B4-BE49-F238E27FC236}">
-                <a16:creationId xmlns:a16="http://schemas.microsoft.com/office/drawing/2014/main" xmlns="" id="{5372DB8B-1155-4854-9E6E-A27EC9DAE83F}"/>
+                <a16:creationId xmlns="" xmlns:a16="http://schemas.microsoft.com/office/drawing/2014/main" id="{5372DB8B-1155-4854-9E6E-A27EC9DAE83F}"/>
               </a:ext>
             </a:extLst>
           </p:cNvPr>
@@ -418,7 +419,7 @@
           <p:cNvPr id="7" name="Slide Number Placeholder 6">
             <a:extLst>
               <a:ext uri="{FF2B5EF4-FFF2-40B4-BE49-F238E27FC236}">
-                <a16:creationId xmlns:a16="http://schemas.microsoft.com/office/drawing/2014/main" xmlns="" id="{2C9A84FE-B814-4185-A6C4-0B074E3B14BE}"/>
+                <a16:creationId xmlns="" xmlns:a16="http://schemas.microsoft.com/office/drawing/2014/main" id="{2C9A84FE-B814-4185-A6C4-0B074E3B14BE}"/>
               </a:ext>
             </a:extLst>
           </p:cNvPr>
@@ -615,7 +616,7 @@
           <p:cNvPr id="4" name="Picture 7">
             <a:extLst>
               <a:ext uri="{FF2B5EF4-FFF2-40B4-BE49-F238E27FC236}">
-                <a16:creationId xmlns:a16="http://schemas.microsoft.com/office/drawing/2014/main" xmlns="" id="{588D7496-2DFD-45F7-B142-A9A70491D767}"/>
+                <a16:creationId xmlns="" xmlns:a16="http://schemas.microsoft.com/office/drawing/2014/main" id="{588D7496-2DFD-45F7-B142-A9A70491D767}"/>
               </a:ext>
             </a:extLst>
           </p:cNvPr>
@@ -675,7 +676,7 @@
           <p:cNvPr id="5" name="Picture 8">
             <a:extLst>
               <a:ext uri="{FF2B5EF4-FFF2-40B4-BE49-F238E27FC236}">
-                <a16:creationId xmlns:a16="http://schemas.microsoft.com/office/drawing/2014/main" xmlns="" id="{0D65453B-54E3-49DB-AD08-4B10140BEFA5}"/>
+                <a16:creationId xmlns="" xmlns:a16="http://schemas.microsoft.com/office/drawing/2014/main" id="{0D65453B-54E3-49DB-AD08-4B10140BEFA5}"/>
               </a:ext>
             </a:extLst>
           </p:cNvPr>
@@ -828,7 +829,7 @@
           <p:cNvPr id="6" name="Footer Placeholder 5">
             <a:extLst>
               <a:ext uri="{FF2B5EF4-FFF2-40B4-BE49-F238E27FC236}">
-                <a16:creationId xmlns:a16="http://schemas.microsoft.com/office/drawing/2014/main" xmlns="" id="{E4D57EA4-38BC-4656-816E-8E88D65990F1}"/>
+                <a16:creationId xmlns="" xmlns:a16="http://schemas.microsoft.com/office/drawing/2014/main" id="{E4D57EA4-38BC-4656-816E-8E88D65990F1}"/>
               </a:ext>
             </a:extLst>
           </p:cNvPr>
@@ -989,7 +990,7 @@
           <p:cNvPr id="4" name="Footer Placeholder 5">
             <a:extLst>
               <a:ext uri="{FF2B5EF4-FFF2-40B4-BE49-F238E27FC236}">
-                <a16:creationId xmlns:a16="http://schemas.microsoft.com/office/drawing/2014/main" xmlns="" id="{78B4E911-5934-4F3B-A83B-917128E98A89}"/>
+                <a16:creationId xmlns="" xmlns:a16="http://schemas.microsoft.com/office/drawing/2014/main" id="{78B4E911-5934-4F3B-A83B-917128E98A89}"/>
               </a:ext>
             </a:extLst>
           </p:cNvPr>
@@ -1024,7 +1025,7 @@
           <p:cNvPr id="5" name="Slide Number Placeholder 6">
             <a:extLst>
               <a:ext uri="{FF2B5EF4-FFF2-40B4-BE49-F238E27FC236}">
-                <a16:creationId xmlns:a16="http://schemas.microsoft.com/office/drawing/2014/main" xmlns="" id="{EB16A0FA-24F3-42D4-85D3-FC3919B2F0E3}"/>
+                <a16:creationId xmlns="" xmlns:a16="http://schemas.microsoft.com/office/drawing/2014/main" id="{EB16A0FA-24F3-42D4-85D3-FC3919B2F0E3}"/>
               </a:ext>
             </a:extLst>
           </p:cNvPr>
@@ -1182,7 +1183,7 @@
           <p:cNvPr id="4" name="Footer Placeholder 5">
             <a:extLst>
               <a:ext uri="{FF2B5EF4-FFF2-40B4-BE49-F238E27FC236}">
-                <a16:creationId xmlns:a16="http://schemas.microsoft.com/office/drawing/2014/main" xmlns="" id="{F88B4FA0-809E-4FA2-BB60-CA28382D5AD9}"/>
+                <a16:creationId xmlns="" xmlns:a16="http://schemas.microsoft.com/office/drawing/2014/main" id="{F88B4FA0-809E-4FA2-BB60-CA28382D5AD9}"/>
               </a:ext>
             </a:extLst>
           </p:cNvPr>
@@ -1217,7 +1218,7 @@
           <p:cNvPr id="5" name="Slide Number Placeholder 6">
             <a:extLst>
               <a:ext uri="{FF2B5EF4-FFF2-40B4-BE49-F238E27FC236}">
-                <a16:creationId xmlns:a16="http://schemas.microsoft.com/office/drawing/2014/main" xmlns="" id="{80CBD5CD-222C-41B8-AE67-8B80A0F7D32F}"/>
+                <a16:creationId xmlns="" xmlns:a16="http://schemas.microsoft.com/office/drawing/2014/main" id="{80CBD5CD-222C-41B8-AE67-8B80A0F7D32F}"/>
               </a:ext>
             </a:extLst>
           </p:cNvPr>
@@ -1434,7 +1435,7 @@
           <p:cNvPr id="5" name="Footer Placeholder 5">
             <a:extLst>
               <a:ext uri="{FF2B5EF4-FFF2-40B4-BE49-F238E27FC236}">
-                <a16:creationId xmlns:a16="http://schemas.microsoft.com/office/drawing/2014/main" xmlns="" id="{2267C753-D3C1-4874-95AA-2EF7DE074735}"/>
+                <a16:creationId xmlns="" xmlns:a16="http://schemas.microsoft.com/office/drawing/2014/main" id="{2267C753-D3C1-4874-95AA-2EF7DE074735}"/>
               </a:ext>
             </a:extLst>
           </p:cNvPr>
@@ -1469,7 +1470,7 @@
           <p:cNvPr id="6" name="Slide Number Placeholder 6">
             <a:extLst>
               <a:ext uri="{FF2B5EF4-FFF2-40B4-BE49-F238E27FC236}">
-                <a16:creationId xmlns:a16="http://schemas.microsoft.com/office/drawing/2014/main" xmlns="" id="{E7BE8FDF-C752-4724-9AE5-781B26B362B8}"/>
+                <a16:creationId xmlns="" xmlns:a16="http://schemas.microsoft.com/office/drawing/2014/main" id="{E7BE8FDF-C752-4724-9AE5-781B26B362B8}"/>
               </a:ext>
             </a:extLst>
           </p:cNvPr>
@@ -1822,7 +1823,7 @@
           <p:cNvPr id="7" name="Footer Placeholder 5">
             <a:extLst>
               <a:ext uri="{FF2B5EF4-FFF2-40B4-BE49-F238E27FC236}">
-                <a16:creationId xmlns:a16="http://schemas.microsoft.com/office/drawing/2014/main" xmlns="" id="{E69D2174-5028-4801-9EA8-6A0D320A2349}"/>
+                <a16:creationId xmlns="" xmlns:a16="http://schemas.microsoft.com/office/drawing/2014/main" id="{E69D2174-5028-4801-9EA8-6A0D320A2349}"/>
               </a:ext>
             </a:extLst>
           </p:cNvPr>
@@ -1857,7 +1858,7 @@
           <p:cNvPr id="8" name="Slide Number Placeholder 6">
             <a:extLst>
               <a:ext uri="{FF2B5EF4-FFF2-40B4-BE49-F238E27FC236}">
-                <a16:creationId xmlns:a16="http://schemas.microsoft.com/office/drawing/2014/main" xmlns="" id="{113E2284-BC0E-4BDE-92C7-EBB2C54D45EA}"/>
+                <a16:creationId xmlns="" xmlns:a16="http://schemas.microsoft.com/office/drawing/2014/main" id="{113E2284-BC0E-4BDE-92C7-EBB2C54D45EA}"/>
               </a:ext>
             </a:extLst>
           </p:cNvPr>
@@ -1926,7 +1927,7 @@
           <p:cNvPr id="4" name="Picture 7">
             <a:extLst>
               <a:ext uri="{FF2B5EF4-FFF2-40B4-BE49-F238E27FC236}">
-                <a16:creationId xmlns:a16="http://schemas.microsoft.com/office/drawing/2014/main" xmlns="" id="{4A4B4E16-BFAB-4ACC-B13C-C39B15A75A3B}"/>
+                <a16:creationId xmlns="" xmlns:a16="http://schemas.microsoft.com/office/drawing/2014/main" id="{4A4B4E16-BFAB-4ACC-B13C-C39B15A75A3B}"/>
               </a:ext>
             </a:extLst>
           </p:cNvPr>
@@ -1986,7 +1987,7 @@
           <p:cNvPr id="5" name="Picture 8">
             <a:extLst>
               <a:ext uri="{FF2B5EF4-FFF2-40B4-BE49-F238E27FC236}">
-                <a16:creationId xmlns:a16="http://schemas.microsoft.com/office/drawing/2014/main" xmlns="" id="{AF350563-EE33-407B-9DBE-B95A2E995B75}"/>
+                <a16:creationId xmlns="" xmlns:a16="http://schemas.microsoft.com/office/drawing/2014/main" id="{AF350563-EE33-407B-9DBE-B95A2E995B75}"/>
               </a:ext>
             </a:extLst>
           </p:cNvPr>
@@ -2139,7 +2140,7 @@
           <p:cNvPr id="6" name="Footer Placeholder 5">
             <a:extLst>
               <a:ext uri="{FF2B5EF4-FFF2-40B4-BE49-F238E27FC236}">
-                <a16:creationId xmlns:a16="http://schemas.microsoft.com/office/drawing/2014/main" xmlns="" id="{C733DF79-BE01-47DD-915A-7183CC8DAAA6}"/>
+                <a16:creationId xmlns="" xmlns:a16="http://schemas.microsoft.com/office/drawing/2014/main" id="{C733DF79-BE01-47DD-915A-7183CC8DAAA6}"/>
               </a:ext>
             </a:extLst>
           </p:cNvPr>
@@ -2211,7 +2212,7 @@
           <p:cNvPr id="4" name="Picture 7">
             <a:extLst>
               <a:ext uri="{FF2B5EF4-FFF2-40B4-BE49-F238E27FC236}">
-                <a16:creationId xmlns:a16="http://schemas.microsoft.com/office/drawing/2014/main" xmlns="" id="{F433460D-77FE-44A2-8613-E458B118FB1E}"/>
+                <a16:creationId xmlns="" xmlns:a16="http://schemas.microsoft.com/office/drawing/2014/main" id="{F433460D-77FE-44A2-8613-E458B118FB1E}"/>
               </a:ext>
             </a:extLst>
           </p:cNvPr>
@@ -2271,7 +2272,7 @@
           <p:cNvPr id="5" name="Picture 6">
             <a:extLst>
               <a:ext uri="{FF2B5EF4-FFF2-40B4-BE49-F238E27FC236}">
-                <a16:creationId xmlns:a16="http://schemas.microsoft.com/office/drawing/2014/main" xmlns="" id="{7A0F8598-6D0F-4147-9482-05A0F4C6B4DF}"/>
+                <a16:creationId xmlns="" xmlns:a16="http://schemas.microsoft.com/office/drawing/2014/main" id="{7A0F8598-6D0F-4147-9482-05A0F4C6B4DF}"/>
               </a:ext>
             </a:extLst>
           </p:cNvPr>
@@ -2424,7 +2425,7 @@
           <p:cNvPr id="6" name="Footer Placeholder 5">
             <a:extLst>
               <a:ext uri="{FF2B5EF4-FFF2-40B4-BE49-F238E27FC236}">
-                <a16:creationId xmlns:a16="http://schemas.microsoft.com/office/drawing/2014/main" xmlns="" id="{71B921DE-CAA3-4A70-820E-E195DBA4A38E}"/>
+                <a16:creationId xmlns="" xmlns:a16="http://schemas.microsoft.com/office/drawing/2014/main" id="{71B921DE-CAA3-4A70-820E-E195DBA4A38E}"/>
               </a:ext>
             </a:extLst>
           </p:cNvPr>
@@ -2459,7 +2460,7 @@
           <p:cNvPr id="7" name="Slide Number Placeholder 6">
             <a:extLst>
               <a:ext uri="{FF2B5EF4-FFF2-40B4-BE49-F238E27FC236}">
-                <a16:creationId xmlns:a16="http://schemas.microsoft.com/office/drawing/2014/main" xmlns="" id="{2D92D8FC-C665-451B-B12C-0BD2B92A976F}"/>
+                <a16:creationId xmlns="" xmlns:a16="http://schemas.microsoft.com/office/drawing/2014/main" id="{2D92D8FC-C665-451B-B12C-0BD2B92A976F}"/>
               </a:ext>
             </a:extLst>
           </p:cNvPr>
@@ -2528,7 +2529,7 @@
           <p:cNvPr id="4" name="Picture 7">
             <a:extLst>
               <a:ext uri="{FF2B5EF4-FFF2-40B4-BE49-F238E27FC236}">
-                <a16:creationId xmlns:a16="http://schemas.microsoft.com/office/drawing/2014/main" xmlns="" id="{16CF51A9-EC53-4715-AA01-4F4E033F6221}"/>
+                <a16:creationId xmlns="" xmlns:a16="http://schemas.microsoft.com/office/drawing/2014/main" id="{16CF51A9-EC53-4715-AA01-4F4E033F6221}"/>
               </a:ext>
             </a:extLst>
           </p:cNvPr>
@@ -2588,7 +2589,7 @@
           <p:cNvPr id="5" name="Picture 9">
             <a:extLst>
               <a:ext uri="{FF2B5EF4-FFF2-40B4-BE49-F238E27FC236}">
-                <a16:creationId xmlns:a16="http://schemas.microsoft.com/office/drawing/2014/main" xmlns="" id="{0ACE1EF2-9A50-4D08-ABBB-DCA03A30BBDC}"/>
+                <a16:creationId xmlns="" xmlns:a16="http://schemas.microsoft.com/office/drawing/2014/main" id="{0ACE1EF2-9A50-4D08-ABBB-DCA03A30BBDC}"/>
               </a:ext>
             </a:extLst>
           </p:cNvPr>
@@ -2648,7 +2649,7 @@
           <p:cNvPr id="6" name="Picture 9">
             <a:extLst>
               <a:ext uri="{FF2B5EF4-FFF2-40B4-BE49-F238E27FC236}">
-                <a16:creationId xmlns:a16="http://schemas.microsoft.com/office/drawing/2014/main" xmlns="" id="{77ADB983-6F74-4660-8B7A-916237C321FC}"/>
+                <a16:creationId xmlns="" xmlns:a16="http://schemas.microsoft.com/office/drawing/2014/main" id="{77ADB983-6F74-4660-8B7A-916237C321FC}"/>
               </a:ext>
             </a:extLst>
           </p:cNvPr>
@@ -2801,7 +2802,7 @@
           <p:cNvPr id="7" name="Footer Placeholder 5">
             <a:extLst>
               <a:ext uri="{FF2B5EF4-FFF2-40B4-BE49-F238E27FC236}">
-                <a16:creationId xmlns:a16="http://schemas.microsoft.com/office/drawing/2014/main" xmlns="" id="{19BDD10A-19D8-49AC-ABF9-CAC66211279B}"/>
+                <a16:creationId xmlns="" xmlns:a16="http://schemas.microsoft.com/office/drawing/2014/main" id="{19BDD10A-19D8-49AC-ABF9-CAC66211279B}"/>
               </a:ext>
             </a:extLst>
           </p:cNvPr>
@@ -2836,7 +2837,7 @@
           <p:cNvPr id="8" name="Slide Number Placeholder 6">
             <a:extLst>
               <a:ext uri="{FF2B5EF4-FFF2-40B4-BE49-F238E27FC236}">
-                <a16:creationId xmlns:a16="http://schemas.microsoft.com/office/drawing/2014/main" xmlns="" id="{EBD6ABDF-9346-4EC5-9B24-5EC3F420E615}"/>
+                <a16:creationId xmlns="" xmlns:a16="http://schemas.microsoft.com/office/drawing/2014/main" id="{EBD6ABDF-9346-4EC5-9B24-5EC3F420E615}"/>
               </a:ext>
             </a:extLst>
           </p:cNvPr>
@@ -2905,7 +2906,7 @@
           <p:cNvPr id="4" name="Picture 7">
             <a:extLst>
               <a:ext uri="{FF2B5EF4-FFF2-40B4-BE49-F238E27FC236}">
-                <a16:creationId xmlns:a16="http://schemas.microsoft.com/office/drawing/2014/main" xmlns="" id="{5FA9AE18-2B9B-4C18-A2C6-5E57D457DF87}"/>
+                <a16:creationId xmlns="" xmlns:a16="http://schemas.microsoft.com/office/drawing/2014/main" id="{5FA9AE18-2B9B-4C18-A2C6-5E57D457DF87}"/>
               </a:ext>
             </a:extLst>
           </p:cNvPr>
@@ -2965,7 +2966,7 @@
           <p:cNvPr id="5" name="Picture 6">
             <a:extLst>
               <a:ext uri="{FF2B5EF4-FFF2-40B4-BE49-F238E27FC236}">
-                <a16:creationId xmlns:a16="http://schemas.microsoft.com/office/drawing/2014/main" xmlns="" id="{2FDBEB29-1E84-4F62-A2B8-3A07CF7A4A91}"/>
+                <a16:creationId xmlns="" xmlns:a16="http://schemas.microsoft.com/office/drawing/2014/main" id="{2FDBEB29-1E84-4F62-A2B8-3A07CF7A4A91}"/>
               </a:ext>
             </a:extLst>
           </p:cNvPr>
@@ -3151,7 +3152,7 @@
           <p:cNvPr id="6" name="Footer Placeholder 2">
             <a:extLst>
               <a:ext uri="{FF2B5EF4-FFF2-40B4-BE49-F238E27FC236}">
-                <a16:creationId xmlns:a16="http://schemas.microsoft.com/office/drawing/2014/main" xmlns="" id="{EB83A511-C472-4051-A077-B4C824B93FDA}"/>
+                <a16:creationId xmlns="" xmlns:a16="http://schemas.microsoft.com/office/drawing/2014/main" id="{EB83A511-C472-4051-A077-B4C824B93FDA}"/>
               </a:ext>
             </a:extLst>
           </p:cNvPr>
@@ -3186,7 +3187,7 @@
           <p:cNvPr id="8" name="Slide Number Placeholder 3">
             <a:extLst>
               <a:ext uri="{FF2B5EF4-FFF2-40B4-BE49-F238E27FC236}">
-                <a16:creationId xmlns:a16="http://schemas.microsoft.com/office/drawing/2014/main" xmlns="" id="{71B897B2-97AB-4251-9911-330BEC748017}"/>
+                <a16:creationId xmlns="" xmlns:a16="http://schemas.microsoft.com/office/drawing/2014/main" id="{71B897B2-97AB-4251-9911-330BEC748017}"/>
               </a:ext>
             </a:extLst>
           </p:cNvPr>
@@ -3255,7 +3256,7 @@
           <p:cNvPr id="4" name="Picture 7">
             <a:extLst>
               <a:ext uri="{FF2B5EF4-FFF2-40B4-BE49-F238E27FC236}">
-                <a16:creationId xmlns:a16="http://schemas.microsoft.com/office/drawing/2014/main" xmlns="" id="{69F4DE96-F7CE-45FE-B083-863D922494BE}"/>
+                <a16:creationId xmlns="" xmlns:a16="http://schemas.microsoft.com/office/drawing/2014/main" id="{69F4DE96-F7CE-45FE-B083-863D922494BE}"/>
               </a:ext>
             </a:extLst>
           </p:cNvPr>
@@ -3315,7 +3316,7 @@
           <p:cNvPr id="5" name="Picture 6">
             <a:extLst>
               <a:ext uri="{FF2B5EF4-FFF2-40B4-BE49-F238E27FC236}">
-                <a16:creationId xmlns:a16="http://schemas.microsoft.com/office/drawing/2014/main" xmlns="" id="{E2C25B10-92A3-4B31-8DCC-70121C489056}"/>
+                <a16:creationId xmlns="" xmlns:a16="http://schemas.microsoft.com/office/drawing/2014/main" id="{E2C25B10-92A3-4B31-8DCC-70121C489056}"/>
               </a:ext>
             </a:extLst>
           </p:cNvPr>
@@ -3501,7 +3502,7 @@
           <p:cNvPr id="6" name="Footer Placeholder 2">
             <a:extLst>
               <a:ext uri="{FF2B5EF4-FFF2-40B4-BE49-F238E27FC236}">
-                <a16:creationId xmlns:a16="http://schemas.microsoft.com/office/drawing/2014/main" xmlns="" id="{CB3BAD06-F63C-4F65-BEB5-E0A34820A633}"/>
+                <a16:creationId xmlns="" xmlns:a16="http://schemas.microsoft.com/office/drawing/2014/main" id="{CB3BAD06-F63C-4F65-BEB5-E0A34820A633}"/>
               </a:ext>
             </a:extLst>
           </p:cNvPr>
@@ -3536,7 +3537,7 @@
           <p:cNvPr id="8" name="Slide Number Placeholder 3">
             <a:extLst>
               <a:ext uri="{FF2B5EF4-FFF2-40B4-BE49-F238E27FC236}">
-                <a16:creationId xmlns:a16="http://schemas.microsoft.com/office/drawing/2014/main" xmlns="" id="{234165D4-F277-4779-9785-C38486BCFD5C}"/>
+                <a16:creationId xmlns="" xmlns:a16="http://schemas.microsoft.com/office/drawing/2014/main" id="{234165D4-F277-4779-9785-C38486BCFD5C}"/>
               </a:ext>
             </a:extLst>
           </p:cNvPr>
@@ -3605,7 +3606,7 @@
           <p:cNvPr id="4" name="Picture 7">
             <a:extLst>
               <a:ext uri="{FF2B5EF4-FFF2-40B4-BE49-F238E27FC236}">
-                <a16:creationId xmlns:a16="http://schemas.microsoft.com/office/drawing/2014/main" xmlns="" id="{E6E3A547-2880-40FA-AA2E-88A28175B590}"/>
+                <a16:creationId xmlns="" xmlns:a16="http://schemas.microsoft.com/office/drawing/2014/main" id="{E6E3A547-2880-40FA-AA2E-88A28175B590}"/>
               </a:ext>
             </a:extLst>
           </p:cNvPr>
@@ -3665,7 +3666,7 @@
           <p:cNvPr id="5" name="Picture 6">
             <a:extLst>
               <a:ext uri="{FF2B5EF4-FFF2-40B4-BE49-F238E27FC236}">
-                <a16:creationId xmlns:a16="http://schemas.microsoft.com/office/drawing/2014/main" xmlns="" id="{1980C539-49F2-4E50-B7D0-579F7424B69C}"/>
+                <a16:creationId xmlns="" xmlns:a16="http://schemas.microsoft.com/office/drawing/2014/main" id="{1980C539-49F2-4E50-B7D0-579F7424B69C}"/>
               </a:ext>
             </a:extLst>
           </p:cNvPr>
@@ -3824,7 +3825,7 @@
           <p:cNvPr id="6" name="Footer Placeholder 5">
             <a:extLst>
               <a:ext uri="{FF2B5EF4-FFF2-40B4-BE49-F238E27FC236}">
-                <a16:creationId xmlns:a16="http://schemas.microsoft.com/office/drawing/2014/main" xmlns="" id="{075F37D2-2476-4E69-8DE4-94B382CC31D6}"/>
+                <a16:creationId xmlns="" xmlns:a16="http://schemas.microsoft.com/office/drawing/2014/main" id="{075F37D2-2476-4E69-8DE4-94B382CC31D6}"/>
               </a:ext>
             </a:extLst>
           </p:cNvPr>
@@ -3865,7 +3866,7 @@
           <p:cNvPr id="7" name="Slide Number Placeholder 6">
             <a:extLst>
               <a:ext uri="{FF2B5EF4-FFF2-40B4-BE49-F238E27FC236}">
-                <a16:creationId xmlns:a16="http://schemas.microsoft.com/office/drawing/2014/main" xmlns="" id="{62644696-D6DB-484A-B519-5326686B1FE9}"/>
+                <a16:creationId xmlns="" xmlns:a16="http://schemas.microsoft.com/office/drawing/2014/main" id="{62644696-D6DB-484A-B519-5326686B1FE9}"/>
               </a:ext>
             </a:extLst>
           </p:cNvPr>
@@ -3940,7 +3941,7 @@
           <p:cNvPr id="4" name="Picture 9">
             <a:extLst>
               <a:ext uri="{FF2B5EF4-FFF2-40B4-BE49-F238E27FC236}">
-                <a16:creationId xmlns:a16="http://schemas.microsoft.com/office/drawing/2014/main" xmlns="" id="{B770259C-009F-497D-ADD5-D894CA9B03E9}"/>
+                <a16:creationId xmlns="" xmlns:a16="http://schemas.microsoft.com/office/drawing/2014/main" id="{B770259C-009F-497D-ADD5-D894CA9B03E9}"/>
               </a:ext>
             </a:extLst>
           </p:cNvPr>
@@ -4000,7 +4001,7 @@
           <p:cNvPr id="5" name="Picture 8">
             <a:extLst>
               <a:ext uri="{FF2B5EF4-FFF2-40B4-BE49-F238E27FC236}">
-                <a16:creationId xmlns:a16="http://schemas.microsoft.com/office/drawing/2014/main" xmlns="" id="{B325D26E-FE73-47A9-B2B6-9957920F876F}"/>
+                <a16:creationId xmlns="" xmlns:a16="http://schemas.microsoft.com/office/drawing/2014/main" id="{B325D26E-FE73-47A9-B2B6-9957920F876F}"/>
               </a:ext>
             </a:extLst>
           </p:cNvPr>
@@ -4060,7 +4061,7 @@
           <p:cNvPr id="6" name="Rectangle 5">
             <a:extLst>
               <a:ext uri="{FF2B5EF4-FFF2-40B4-BE49-F238E27FC236}">
-                <a16:creationId xmlns:a16="http://schemas.microsoft.com/office/drawing/2014/main" xmlns="" id="{3A727FBE-34AC-4794-B558-DFA9793E41E8}"/>
+                <a16:creationId xmlns="" xmlns:a16="http://schemas.microsoft.com/office/drawing/2014/main" id="{3A727FBE-34AC-4794-B558-DFA9793E41E8}"/>
               </a:ext>
             </a:extLst>
           </p:cNvPr>
@@ -4319,7 +4320,7 @@
           <p:cNvPr id="7" name="Footer Placeholder 5">
             <a:extLst>
               <a:ext uri="{FF2B5EF4-FFF2-40B4-BE49-F238E27FC236}">
-                <a16:creationId xmlns:a16="http://schemas.microsoft.com/office/drawing/2014/main" xmlns="" id="{0995F103-CEE2-4DDB-A316-1C36B503074A}"/>
+                <a16:creationId xmlns="" xmlns:a16="http://schemas.microsoft.com/office/drawing/2014/main" id="{0995F103-CEE2-4DDB-A316-1C36B503074A}"/>
               </a:ext>
             </a:extLst>
           </p:cNvPr>
@@ -4354,7 +4355,7 @@
           <p:cNvPr id="8" name="Slide Number Placeholder 6">
             <a:extLst>
               <a:ext uri="{FF2B5EF4-FFF2-40B4-BE49-F238E27FC236}">
-                <a16:creationId xmlns:a16="http://schemas.microsoft.com/office/drawing/2014/main" xmlns="" id="{F4AB3C8D-FEBE-49E4-9062-E6BEBA863168}"/>
+                <a16:creationId xmlns="" xmlns:a16="http://schemas.microsoft.com/office/drawing/2014/main" id="{F4AB3C8D-FEBE-49E4-9062-E6BEBA863168}"/>
               </a:ext>
             </a:extLst>
           </p:cNvPr>
@@ -4423,7 +4424,7 @@
           <p:cNvPr id="4" name="Picture 7">
             <a:extLst>
               <a:ext uri="{FF2B5EF4-FFF2-40B4-BE49-F238E27FC236}">
-                <a16:creationId xmlns:a16="http://schemas.microsoft.com/office/drawing/2014/main" xmlns="" id="{B44937E0-D0A7-4E34-9F32-9DE0EF572A75}"/>
+                <a16:creationId xmlns="" xmlns:a16="http://schemas.microsoft.com/office/drawing/2014/main" id="{B44937E0-D0A7-4E34-9F32-9DE0EF572A75}"/>
               </a:ext>
             </a:extLst>
           </p:cNvPr>
@@ -4483,7 +4484,7 @@
           <p:cNvPr id="5" name="Picture 6">
             <a:extLst>
               <a:ext uri="{FF2B5EF4-FFF2-40B4-BE49-F238E27FC236}">
-                <a16:creationId xmlns:a16="http://schemas.microsoft.com/office/drawing/2014/main" xmlns="" id="{A7F79415-240C-4729-9917-17B6D22781FE}"/>
+                <a16:creationId xmlns="" xmlns:a16="http://schemas.microsoft.com/office/drawing/2014/main" id="{A7F79415-240C-4729-9917-17B6D22781FE}"/>
               </a:ext>
             </a:extLst>
           </p:cNvPr>
@@ -4642,7 +4643,7 @@
           <p:cNvPr id="6" name="Footer Placeholder 5">
             <a:extLst>
               <a:ext uri="{FF2B5EF4-FFF2-40B4-BE49-F238E27FC236}">
-                <a16:creationId xmlns:a16="http://schemas.microsoft.com/office/drawing/2014/main" xmlns="" id="{FB1F753E-8A33-4ED7-A178-F0A063C71AED}"/>
+                <a16:creationId xmlns="" xmlns:a16="http://schemas.microsoft.com/office/drawing/2014/main" id="{FB1F753E-8A33-4ED7-A178-F0A063C71AED}"/>
               </a:ext>
             </a:extLst>
           </p:cNvPr>
@@ -4683,7 +4684,7 @@
           <p:cNvPr id="7" name="Slide Number Placeholder 6">
             <a:extLst>
               <a:ext uri="{FF2B5EF4-FFF2-40B4-BE49-F238E27FC236}">
-                <a16:creationId xmlns:a16="http://schemas.microsoft.com/office/drawing/2014/main" xmlns="" id="{69635707-1B21-48E9-A2A7-D49E3EBCFC4B}"/>
+                <a16:creationId xmlns="" xmlns:a16="http://schemas.microsoft.com/office/drawing/2014/main" id="{69635707-1B21-48E9-A2A7-D49E3EBCFC4B}"/>
               </a:ext>
             </a:extLst>
           </p:cNvPr>
@@ -4758,7 +4759,7 @@
           <p:cNvPr id="2" name="Picture 7">
             <a:extLst>
               <a:ext uri="{FF2B5EF4-FFF2-40B4-BE49-F238E27FC236}">
-                <a16:creationId xmlns:a16="http://schemas.microsoft.com/office/drawing/2014/main" xmlns="" id="{42C81DE8-0E66-4A73-A0AE-001561785F77}"/>
+                <a16:creationId xmlns="" xmlns:a16="http://schemas.microsoft.com/office/drawing/2014/main" id="{42C81DE8-0E66-4A73-A0AE-001561785F77}"/>
               </a:ext>
             </a:extLst>
           </p:cNvPr>
@@ -4818,7 +4819,7 @@
           <p:cNvPr id="3" name="Picture 6">
             <a:extLst>
               <a:ext uri="{FF2B5EF4-FFF2-40B4-BE49-F238E27FC236}">
-                <a16:creationId xmlns:a16="http://schemas.microsoft.com/office/drawing/2014/main" xmlns="" id="{35DEDC77-381A-4E07-A343-67FDB4F066AD}"/>
+                <a16:creationId xmlns="" xmlns:a16="http://schemas.microsoft.com/office/drawing/2014/main" id="{35DEDC77-381A-4E07-A343-67FDB4F066AD}"/>
               </a:ext>
             </a:extLst>
           </p:cNvPr>
@@ -4878,7 +4879,7 @@
           <p:cNvPr id="4" name="Footer Placeholder 3">
             <a:extLst>
               <a:ext uri="{FF2B5EF4-FFF2-40B4-BE49-F238E27FC236}">
-                <a16:creationId xmlns:a16="http://schemas.microsoft.com/office/drawing/2014/main" xmlns="" id="{17D4A8BD-F49E-49C1-B56F-3B1A5E767F74}"/>
+                <a16:creationId xmlns="" xmlns:a16="http://schemas.microsoft.com/office/drawing/2014/main" id="{17D4A8BD-F49E-49C1-B56F-3B1A5E767F74}"/>
               </a:ext>
             </a:extLst>
           </p:cNvPr>
@@ -4913,7 +4914,7 @@
           <p:cNvPr id="5" name="Slide Number Placeholder 4">
             <a:extLst>
               <a:ext uri="{FF2B5EF4-FFF2-40B4-BE49-F238E27FC236}">
-                <a16:creationId xmlns:a16="http://schemas.microsoft.com/office/drawing/2014/main" xmlns="" id="{FB7580F7-244E-408B-B7A7-9343CB998C92}"/>
+                <a16:creationId xmlns="" xmlns:a16="http://schemas.microsoft.com/office/drawing/2014/main" id="{FB7580F7-244E-408B-B7A7-9343CB998C92}"/>
               </a:ext>
             </a:extLst>
           </p:cNvPr>
@@ -4982,7 +4983,7 @@
           <p:cNvPr id="5" name="Picture 6">
             <a:extLst>
               <a:ext uri="{FF2B5EF4-FFF2-40B4-BE49-F238E27FC236}">
-                <a16:creationId xmlns:a16="http://schemas.microsoft.com/office/drawing/2014/main" xmlns="" id="{6DED341A-656E-4B05-8B92-48D26A0677E1}"/>
+                <a16:creationId xmlns="" xmlns:a16="http://schemas.microsoft.com/office/drawing/2014/main" id="{6DED341A-656E-4B05-8B92-48D26A0677E1}"/>
               </a:ext>
             </a:extLst>
           </p:cNvPr>
@@ -5042,7 +5043,7 @@
           <p:cNvPr id="6" name="Picture 8">
             <a:extLst>
               <a:ext uri="{FF2B5EF4-FFF2-40B4-BE49-F238E27FC236}">
-                <a16:creationId xmlns:a16="http://schemas.microsoft.com/office/drawing/2014/main" xmlns="" id="{42E1B246-0CAB-404B-BC63-60C59075C1A4}"/>
+                <a16:creationId xmlns="" xmlns:a16="http://schemas.microsoft.com/office/drawing/2014/main" id="{42E1B246-0CAB-404B-BC63-60C59075C1A4}"/>
               </a:ext>
             </a:extLst>
           </p:cNvPr>
@@ -5291,7 +5292,7 @@
           <p:cNvPr id="7" name="Footer Placeholder 5">
             <a:extLst>
               <a:ext uri="{FF2B5EF4-FFF2-40B4-BE49-F238E27FC236}">
-                <a16:creationId xmlns:a16="http://schemas.microsoft.com/office/drawing/2014/main" xmlns="" id="{58CB5E7B-BEA0-4241-A149-45BA9E273B22}"/>
+                <a16:creationId xmlns="" xmlns:a16="http://schemas.microsoft.com/office/drawing/2014/main" id="{58CB5E7B-BEA0-4241-A149-45BA9E273B22}"/>
               </a:ext>
             </a:extLst>
           </p:cNvPr>
@@ -5333,7 +5334,7 @@
           <p:cNvPr id="8" name="Slide Number Placeholder 6">
             <a:extLst>
               <a:ext uri="{FF2B5EF4-FFF2-40B4-BE49-F238E27FC236}">
-                <a16:creationId xmlns:a16="http://schemas.microsoft.com/office/drawing/2014/main" xmlns="" id="{AAE5AC5E-05E9-4F34-B118-14AE56A58DFD}"/>
+                <a16:creationId xmlns="" xmlns:a16="http://schemas.microsoft.com/office/drawing/2014/main" id="{AAE5AC5E-05E9-4F34-B118-14AE56A58DFD}"/>
               </a:ext>
             </a:extLst>
           </p:cNvPr>
@@ -5409,7 +5410,7 @@
           <p:cNvPr id="5" name="Picture 7">
             <a:extLst>
               <a:ext uri="{FF2B5EF4-FFF2-40B4-BE49-F238E27FC236}">
-                <a16:creationId xmlns:a16="http://schemas.microsoft.com/office/drawing/2014/main" xmlns="" id="{A36630C1-797A-4DCB-8A95-D72186906187}"/>
+                <a16:creationId xmlns="" xmlns:a16="http://schemas.microsoft.com/office/drawing/2014/main" id="{A36630C1-797A-4DCB-8A95-D72186906187}"/>
               </a:ext>
             </a:extLst>
           </p:cNvPr>
@@ -5469,7 +5470,7 @@
           <p:cNvPr id="6" name="Picture 6">
             <a:extLst>
               <a:ext uri="{FF2B5EF4-FFF2-40B4-BE49-F238E27FC236}">
-                <a16:creationId xmlns:a16="http://schemas.microsoft.com/office/drawing/2014/main" xmlns="" id="{6D926BF3-AB87-4079-B33F-D89496F637EE}"/>
+                <a16:creationId xmlns="" xmlns:a16="http://schemas.microsoft.com/office/drawing/2014/main" id="{6D926BF3-AB87-4079-B33F-D89496F637EE}"/>
               </a:ext>
             </a:extLst>
           </p:cNvPr>
@@ -5699,7 +5700,7 @@
           <p:cNvPr id="7" name="Footer Placeholder 5">
             <a:extLst>
               <a:ext uri="{FF2B5EF4-FFF2-40B4-BE49-F238E27FC236}">
-                <a16:creationId xmlns:a16="http://schemas.microsoft.com/office/drawing/2014/main" xmlns="" id="{328D04E4-E72E-463F-91D1-244075290277}"/>
+                <a16:creationId xmlns="" xmlns:a16="http://schemas.microsoft.com/office/drawing/2014/main" id="{328D04E4-E72E-463F-91D1-244075290277}"/>
               </a:ext>
             </a:extLst>
           </p:cNvPr>
@@ -5741,7 +5742,7 @@
           <p:cNvPr id="8" name="Slide Number Placeholder 6">
             <a:extLst>
               <a:ext uri="{FF2B5EF4-FFF2-40B4-BE49-F238E27FC236}">
-                <a16:creationId xmlns:a16="http://schemas.microsoft.com/office/drawing/2014/main" xmlns="" id="{A896180A-078D-415A-B9E5-968B430E451D}"/>
+                <a16:creationId xmlns="" xmlns:a16="http://schemas.microsoft.com/office/drawing/2014/main" id="{A896180A-078D-415A-B9E5-968B430E451D}"/>
               </a:ext>
             </a:extLst>
           </p:cNvPr>
@@ -5817,7 +5818,7 @@
           <p:cNvPr id="4" name="Picture 7">
             <a:extLst>
               <a:ext uri="{FF2B5EF4-FFF2-40B4-BE49-F238E27FC236}">
-                <a16:creationId xmlns:a16="http://schemas.microsoft.com/office/drawing/2014/main" xmlns="" id="{A3F9D595-8E97-4517-8027-207F62718AD3}"/>
+                <a16:creationId xmlns="" xmlns:a16="http://schemas.microsoft.com/office/drawing/2014/main" id="{A3F9D595-8E97-4517-8027-207F62718AD3}"/>
               </a:ext>
             </a:extLst>
           </p:cNvPr>
@@ -5877,7 +5878,7 @@
           <p:cNvPr id="5" name="Picture 6">
             <a:extLst>
               <a:ext uri="{FF2B5EF4-FFF2-40B4-BE49-F238E27FC236}">
-                <a16:creationId xmlns:a16="http://schemas.microsoft.com/office/drawing/2014/main" xmlns="" id="{72A27EC9-5474-48C9-87BD-57465D317BC9}"/>
+                <a16:creationId xmlns="" xmlns:a16="http://schemas.microsoft.com/office/drawing/2014/main" id="{72A27EC9-5474-48C9-87BD-57465D317BC9}"/>
               </a:ext>
             </a:extLst>
           </p:cNvPr>
@@ -6026,7 +6027,7 @@
           <p:cNvPr id="6" name="Footer Placeholder 5">
             <a:extLst>
               <a:ext uri="{FF2B5EF4-FFF2-40B4-BE49-F238E27FC236}">
-                <a16:creationId xmlns:a16="http://schemas.microsoft.com/office/drawing/2014/main" xmlns="" id="{7D921E62-BF8C-4D9C-AD25-F3489C6F0A54}"/>
+                <a16:creationId xmlns="" xmlns:a16="http://schemas.microsoft.com/office/drawing/2014/main" id="{7D921E62-BF8C-4D9C-AD25-F3489C6F0A54}"/>
               </a:ext>
             </a:extLst>
           </p:cNvPr>
@@ -6068,7 +6069,7 @@
           <p:cNvPr id="7" name="Slide Number Placeholder 6">
             <a:extLst>
               <a:ext uri="{FF2B5EF4-FFF2-40B4-BE49-F238E27FC236}">
-                <a16:creationId xmlns:a16="http://schemas.microsoft.com/office/drawing/2014/main" xmlns="" id="{F1212D0B-396F-45E6-946F-EA086EF57123}"/>
+                <a16:creationId xmlns="" xmlns:a16="http://schemas.microsoft.com/office/drawing/2014/main" id="{F1212D0B-396F-45E6-946F-EA086EF57123}"/>
               </a:ext>
             </a:extLst>
           </p:cNvPr>
@@ -6144,7 +6145,7 @@
           <p:cNvPr id="4" name="Picture 7">
             <a:extLst>
               <a:ext uri="{FF2B5EF4-FFF2-40B4-BE49-F238E27FC236}">
-                <a16:creationId xmlns:a16="http://schemas.microsoft.com/office/drawing/2014/main" xmlns="" id="{3D65B938-F4A5-4D2B-9FC5-1C2E92BC5A22}"/>
+                <a16:creationId xmlns="" xmlns:a16="http://schemas.microsoft.com/office/drawing/2014/main" id="{3D65B938-F4A5-4D2B-9FC5-1C2E92BC5A22}"/>
               </a:ext>
             </a:extLst>
           </p:cNvPr>
@@ -6204,7 +6205,7 @@
           <p:cNvPr id="5" name="Picture 6">
             <a:extLst>
               <a:ext uri="{FF2B5EF4-FFF2-40B4-BE49-F238E27FC236}">
-                <a16:creationId xmlns:a16="http://schemas.microsoft.com/office/drawing/2014/main" xmlns="" id="{9EFD0BA8-4734-45A8-9DA0-A843C730729E}"/>
+                <a16:creationId xmlns="" xmlns:a16="http://schemas.microsoft.com/office/drawing/2014/main" id="{9EFD0BA8-4734-45A8-9DA0-A843C730729E}"/>
               </a:ext>
             </a:extLst>
           </p:cNvPr>
@@ -6353,7 +6354,7 @@
           <p:cNvPr id="6" name="Footer Placeholder 5">
             <a:extLst>
               <a:ext uri="{FF2B5EF4-FFF2-40B4-BE49-F238E27FC236}">
-                <a16:creationId xmlns:a16="http://schemas.microsoft.com/office/drawing/2014/main" xmlns="" id="{4060C68E-5902-4018-898E-E675BAE42FF5}"/>
+                <a16:creationId xmlns="" xmlns:a16="http://schemas.microsoft.com/office/drawing/2014/main" id="{4060C68E-5902-4018-898E-E675BAE42FF5}"/>
               </a:ext>
             </a:extLst>
           </p:cNvPr>
@@ -6395,7 +6396,7 @@
           <p:cNvPr id="7" name="Slide Number Placeholder 6">
             <a:extLst>
               <a:ext uri="{FF2B5EF4-FFF2-40B4-BE49-F238E27FC236}">
-                <a16:creationId xmlns:a16="http://schemas.microsoft.com/office/drawing/2014/main" xmlns="" id="{5C8F4A28-C720-4555-87A5-46010B48912F}"/>
+                <a16:creationId xmlns="" xmlns:a16="http://schemas.microsoft.com/office/drawing/2014/main" id="{5C8F4A28-C720-4555-87A5-46010B48912F}"/>
               </a:ext>
             </a:extLst>
           </p:cNvPr>
@@ -6471,7 +6472,7 @@
           <p:cNvPr id="5" name="Picture 7">
             <a:extLst>
               <a:ext uri="{FF2B5EF4-FFF2-40B4-BE49-F238E27FC236}">
-                <a16:creationId xmlns:a16="http://schemas.microsoft.com/office/drawing/2014/main" xmlns="" id="{320B6D66-AA87-4D2A-B220-C5B1BA9A48FC}"/>
+                <a16:creationId xmlns="" xmlns:a16="http://schemas.microsoft.com/office/drawing/2014/main" id="{320B6D66-AA87-4D2A-B220-C5B1BA9A48FC}"/>
               </a:ext>
             </a:extLst>
           </p:cNvPr>
@@ -6531,7 +6532,7 @@
           <p:cNvPr id="6" name="Picture 6">
             <a:extLst>
               <a:ext uri="{FF2B5EF4-FFF2-40B4-BE49-F238E27FC236}">
-                <a16:creationId xmlns:a16="http://schemas.microsoft.com/office/drawing/2014/main" xmlns="" id="{1D3E4074-02A6-43BF-948B-2CC134D29800}"/>
+                <a16:creationId xmlns="" xmlns:a16="http://schemas.microsoft.com/office/drawing/2014/main" id="{1D3E4074-02A6-43BF-948B-2CC134D29800}"/>
               </a:ext>
             </a:extLst>
           </p:cNvPr>
@@ -6739,7 +6740,7 @@
           <p:cNvPr id="7" name="Footer Placeholder 5">
             <a:extLst>
               <a:ext uri="{FF2B5EF4-FFF2-40B4-BE49-F238E27FC236}">
-                <a16:creationId xmlns:a16="http://schemas.microsoft.com/office/drawing/2014/main" xmlns="" id="{91DBE46C-6B9E-4612-A63A-78140E5EE757}"/>
+                <a16:creationId xmlns="" xmlns:a16="http://schemas.microsoft.com/office/drawing/2014/main" id="{91DBE46C-6B9E-4612-A63A-78140E5EE757}"/>
               </a:ext>
             </a:extLst>
           </p:cNvPr>
@@ -6781,7 +6782,7 @@
           <p:cNvPr id="8" name="Slide Number Placeholder 6">
             <a:extLst>
               <a:ext uri="{FF2B5EF4-FFF2-40B4-BE49-F238E27FC236}">
-                <a16:creationId xmlns:a16="http://schemas.microsoft.com/office/drawing/2014/main" xmlns="" id="{2E04C751-AE1A-44F6-A0C5-5EEEA24D6667}"/>
+                <a16:creationId xmlns="" xmlns:a16="http://schemas.microsoft.com/office/drawing/2014/main" id="{2E04C751-AE1A-44F6-A0C5-5EEEA24D6667}"/>
               </a:ext>
             </a:extLst>
           </p:cNvPr>
@@ -6857,7 +6858,7 @@
           <p:cNvPr id="7" name="Picture 7">
             <a:extLst>
               <a:ext uri="{FF2B5EF4-FFF2-40B4-BE49-F238E27FC236}">
-                <a16:creationId xmlns:a16="http://schemas.microsoft.com/office/drawing/2014/main" xmlns="" id="{E405DF9A-E6AE-4FAD-B9B8-E98C411B5591}"/>
+                <a16:creationId xmlns="" xmlns:a16="http://schemas.microsoft.com/office/drawing/2014/main" id="{E405DF9A-E6AE-4FAD-B9B8-E98C411B5591}"/>
               </a:ext>
             </a:extLst>
           </p:cNvPr>
@@ -6917,7 +6918,7 @@
           <p:cNvPr id="8" name="Picture 6">
             <a:extLst>
               <a:ext uri="{FF2B5EF4-FFF2-40B4-BE49-F238E27FC236}">
-                <a16:creationId xmlns:a16="http://schemas.microsoft.com/office/drawing/2014/main" xmlns="" id="{2D9F9585-8925-4E76-9EE0-500B3A1789EF}"/>
+                <a16:creationId xmlns="" xmlns:a16="http://schemas.microsoft.com/office/drawing/2014/main" id="{2D9F9585-8925-4E76-9EE0-500B3A1789EF}"/>
               </a:ext>
             </a:extLst>
           </p:cNvPr>
@@ -7261,7 +7262,7 @@
           <p:cNvPr id="9" name="Footer Placeholder 5">
             <a:extLst>
               <a:ext uri="{FF2B5EF4-FFF2-40B4-BE49-F238E27FC236}">
-                <a16:creationId xmlns:a16="http://schemas.microsoft.com/office/drawing/2014/main" xmlns="" id="{E1F2BDA3-C7BD-4788-BC94-172F9451A8F9}"/>
+                <a16:creationId xmlns="" xmlns:a16="http://schemas.microsoft.com/office/drawing/2014/main" id="{E1F2BDA3-C7BD-4788-BC94-172F9451A8F9}"/>
               </a:ext>
             </a:extLst>
           </p:cNvPr>
@@ -7303,7 +7304,7 @@
           <p:cNvPr id="10" name="Slide Number Placeholder 6">
             <a:extLst>
               <a:ext uri="{FF2B5EF4-FFF2-40B4-BE49-F238E27FC236}">
-                <a16:creationId xmlns:a16="http://schemas.microsoft.com/office/drawing/2014/main" xmlns="" id="{C2A3A67A-9AAA-44C0-9F4F-D91281FCBD26}"/>
+                <a16:creationId xmlns="" xmlns:a16="http://schemas.microsoft.com/office/drawing/2014/main" id="{C2A3A67A-9AAA-44C0-9F4F-D91281FCBD26}"/>
               </a:ext>
             </a:extLst>
           </p:cNvPr>
@@ -7379,7 +7380,7 @@
           <p:cNvPr id="4" name="Picture 7">
             <a:extLst>
               <a:ext uri="{FF2B5EF4-FFF2-40B4-BE49-F238E27FC236}">
-                <a16:creationId xmlns:a16="http://schemas.microsoft.com/office/drawing/2014/main" xmlns="" id="{CAA5D4C6-C84A-4D6B-A8E2-F5FE9621E6A4}"/>
+                <a16:creationId xmlns="" xmlns:a16="http://schemas.microsoft.com/office/drawing/2014/main" id="{CAA5D4C6-C84A-4D6B-A8E2-F5FE9621E6A4}"/>
               </a:ext>
             </a:extLst>
           </p:cNvPr>
@@ -7439,7 +7440,7 @@
           <p:cNvPr id="5" name="Picture 6">
             <a:extLst>
               <a:ext uri="{FF2B5EF4-FFF2-40B4-BE49-F238E27FC236}">
-                <a16:creationId xmlns:a16="http://schemas.microsoft.com/office/drawing/2014/main" xmlns="" id="{77117E02-148B-4DDA-8F95-3DAFF45C0357}"/>
+                <a16:creationId xmlns="" xmlns:a16="http://schemas.microsoft.com/office/drawing/2014/main" id="{77117E02-148B-4DDA-8F95-3DAFF45C0357}"/>
               </a:ext>
             </a:extLst>
           </p:cNvPr>
@@ -7592,7 +7593,7 @@
           <p:cNvPr id="6" name="Footer Placeholder 5">
             <a:extLst>
               <a:ext uri="{FF2B5EF4-FFF2-40B4-BE49-F238E27FC236}">
-                <a16:creationId xmlns:a16="http://schemas.microsoft.com/office/drawing/2014/main" xmlns="" id="{AEBF7BA3-64D4-4D2F-885C-8BB8563D732E}"/>
+                <a16:creationId xmlns="" xmlns:a16="http://schemas.microsoft.com/office/drawing/2014/main" id="{AEBF7BA3-64D4-4D2F-885C-8BB8563D732E}"/>
               </a:ext>
             </a:extLst>
           </p:cNvPr>
@@ -7627,7 +7628,7 @@
           <p:cNvPr id="7" name="Slide Number Placeholder 6">
             <a:extLst>
               <a:ext uri="{FF2B5EF4-FFF2-40B4-BE49-F238E27FC236}">
-                <a16:creationId xmlns:a16="http://schemas.microsoft.com/office/drawing/2014/main" xmlns="" id="{D3A6253C-E585-4795-8A55-C786A22C7475}"/>
+                <a16:creationId xmlns="" xmlns:a16="http://schemas.microsoft.com/office/drawing/2014/main" id="{D3A6253C-E585-4795-8A55-C786A22C7475}"/>
               </a:ext>
             </a:extLst>
           </p:cNvPr>
@@ -7696,7 +7697,7 @@
           <p:cNvPr id="4" name="Picture 7">
             <a:extLst>
               <a:ext uri="{FF2B5EF4-FFF2-40B4-BE49-F238E27FC236}">
-                <a16:creationId xmlns:a16="http://schemas.microsoft.com/office/drawing/2014/main" xmlns="" id="{F8A5CA77-0692-40AC-9A57-E5CE9B6F7EE2}"/>
+                <a16:creationId xmlns="" xmlns:a16="http://schemas.microsoft.com/office/drawing/2014/main" id="{F8A5CA77-0692-40AC-9A57-E5CE9B6F7EE2}"/>
               </a:ext>
             </a:extLst>
           </p:cNvPr>
@@ -7756,7 +7757,7 @@
           <p:cNvPr id="5" name="Picture 6">
             <a:extLst>
               <a:ext uri="{FF2B5EF4-FFF2-40B4-BE49-F238E27FC236}">
-                <a16:creationId xmlns:a16="http://schemas.microsoft.com/office/drawing/2014/main" xmlns="" id="{EB5E274E-4B7A-4D15-B78A-CC955E16C65E}"/>
+                <a16:creationId xmlns="" xmlns:a16="http://schemas.microsoft.com/office/drawing/2014/main" id="{EB5E274E-4B7A-4D15-B78A-CC955E16C65E}"/>
               </a:ext>
             </a:extLst>
           </p:cNvPr>
@@ -7942,7 +7943,7 @@
           <p:cNvPr id="6" name="Footer Placeholder 2">
             <a:extLst>
               <a:ext uri="{FF2B5EF4-FFF2-40B4-BE49-F238E27FC236}">
-                <a16:creationId xmlns:a16="http://schemas.microsoft.com/office/drawing/2014/main" xmlns="" id="{A43A77D1-B0D5-43B8-BDF1-28D54F805D1B}"/>
+                <a16:creationId xmlns="" xmlns:a16="http://schemas.microsoft.com/office/drawing/2014/main" id="{A43A77D1-B0D5-43B8-BDF1-28D54F805D1B}"/>
               </a:ext>
             </a:extLst>
           </p:cNvPr>
@@ -7977,7 +7978,7 @@
           <p:cNvPr id="8" name="Slide Number Placeholder 3">
             <a:extLst>
               <a:ext uri="{FF2B5EF4-FFF2-40B4-BE49-F238E27FC236}">
-                <a16:creationId xmlns:a16="http://schemas.microsoft.com/office/drawing/2014/main" xmlns="" id="{1BB82738-1E7E-41BE-94FD-BB7FFF2AF43C}"/>
+                <a16:creationId xmlns="" xmlns:a16="http://schemas.microsoft.com/office/drawing/2014/main" id="{1BB82738-1E7E-41BE-94FD-BB7FFF2AF43C}"/>
               </a:ext>
             </a:extLst>
           </p:cNvPr>
@@ -8046,7 +8047,7 @@
           <p:cNvPr id="4" name="Picture 6">
             <a:extLst>
               <a:ext uri="{FF2B5EF4-FFF2-40B4-BE49-F238E27FC236}">
-                <a16:creationId xmlns:a16="http://schemas.microsoft.com/office/drawing/2014/main" xmlns="" id="{0BDB9451-80A5-4B1B-A74E-BA41EAB26060}"/>
+                <a16:creationId xmlns="" xmlns:a16="http://schemas.microsoft.com/office/drawing/2014/main" id="{0BDB9451-80A5-4B1B-A74E-BA41EAB26060}"/>
               </a:ext>
             </a:extLst>
           </p:cNvPr>
@@ -8232,7 +8233,7 @@
           <p:cNvPr id="5" name="Footer Placeholder 2">
             <a:extLst>
               <a:ext uri="{FF2B5EF4-FFF2-40B4-BE49-F238E27FC236}">
-                <a16:creationId xmlns:a16="http://schemas.microsoft.com/office/drawing/2014/main" xmlns="" id="{59602C78-8AD1-4DF6-B92D-AAFA16E9DF6D}"/>
+                <a16:creationId xmlns="" xmlns:a16="http://schemas.microsoft.com/office/drawing/2014/main" id="{59602C78-8AD1-4DF6-B92D-AAFA16E9DF6D}"/>
               </a:ext>
             </a:extLst>
           </p:cNvPr>
@@ -8267,7 +8268,7 @@
           <p:cNvPr id="6" name="Slide Number Placeholder 3">
             <a:extLst>
               <a:ext uri="{FF2B5EF4-FFF2-40B4-BE49-F238E27FC236}">
-                <a16:creationId xmlns:a16="http://schemas.microsoft.com/office/drawing/2014/main" xmlns="" id="{5577B79B-71CB-4327-9378-4994F4EFB768}"/>
+                <a16:creationId xmlns="" xmlns:a16="http://schemas.microsoft.com/office/drawing/2014/main" id="{5577B79B-71CB-4327-9378-4994F4EFB768}"/>
               </a:ext>
             </a:extLst>
           </p:cNvPr>
@@ -8435,7 +8436,7 @@
           <p:cNvPr id="4" name="Footer Placeholder 5">
             <a:extLst>
               <a:ext uri="{FF2B5EF4-FFF2-40B4-BE49-F238E27FC236}">
-                <a16:creationId xmlns:a16="http://schemas.microsoft.com/office/drawing/2014/main" xmlns="" id="{0D85A0E9-0B1B-40B0-B464-C23AB7BE09ED}"/>
+                <a16:creationId xmlns="" xmlns:a16="http://schemas.microsoft.com/office/drawing/2014/main" id="{0D85A0E9-0B1B-40B0-B464-C23AB7BE09ED}"/>
               </a:ext>
             </a:extLst>
           </p:cNvPr>
@@ -8470,7 +8471,7 @@
           <p:cNvPr id="5" name="Slide Number Placeholder 6">
             <a:extLst>
               <a:ext uri="{FF2B5EF4-FFF2-40B4-BE49-F238E27FC236}">
-                <a16:creationId xmlns:a16="http://schemas.microsoft.com/office/drawing/2014/main" xmlns="" id="{7C7A9596-B153-44F0-A7E4-3B65E9DDFAAC}"/>
+                <a16:creationId xmlns="" xmlns:a16="http://schemas.microsoft.com/office/drawing/2014/main" id="{7C7A9596-B153-44F0-A7E4-3B65E9DDFAAC}"/>
               </a:ext>
             </a:extLst>
           </p:cNvPr>
@@ -8539,7 +8540,7 @@
           <p:cNvPr id="4" name="Picture 6">
             <a:extLst>
               <a:ext uri="{FF2B5EF4-FFF2-40B4-BE49-F238E27FC236}">
-                <a16:creationId xmlns:a16="http://schemas.microsoft.com/office/drawing/2014/main" xmlns="" id="{E2026084-3C65-45C6-89D6-A0C87B72B082}"/>
+                <a16:creationId xmlns="" xmlns:a16="http://schemas.microsoft.com/office/drawing/2014/main" id="{E2026084-3C65-45C6-89D6-A0C87B72B082}"/>
               </a:ext>
             </a:extLst>
           </p:cNvPr>
@@ -8698,7 +8699,7 @@
           <p:cNvPr id="5" name="Footer Placeholder 5">
             <a:extLst>
               <a:ext uri="{FF2B5EF4-FFF2-40B4-BE49-F238E27FC236}">
-                <a16:creationId xmlns:a16="http://schemas.microsoft.com/office/drawing/2014/main" xmlns="" id="{450717F4-E1D0-4833-B982-1903A7B74512}"/>
+                <a16:creationId xmlns="" xmlns:a16="http://schemas.microsoft.com/office/drawing/2014/main" id="{450717F4-E1D0-4833-B982-1903A7B74512}"/>
               </a:ext>
             </a:extLst>
           </p:cNvPr>
@@ -8733,7 +8734,7 @@
           <p:cNvPr id="6" name="Slide Number Placeholder 6">
             <a:extLst>
               <a:ext uri="{FF2B5EF4-FFF2-40B4-BE49-F238E27FC236}">
-                <a16:creationId xmlns:a16="http://schemas.microsoft.com/office/drawing/2014/main" xmlns="" id="{86226B3B-2224-420E-BADD-2F90F4406BF1}"/>
+                <a16:creationId xmlns="" xmlns:a16="http://schemas.microsoft.com/office/drawing/2014/main" id="{86226B3B-2224-420E-BADD-2F90F4406BF1}"/>
               </a:ext>
             </a:extLst>
           </p:cNvPr>
@@ -8991,7 +8992,7 @@
           <p:cNvPr id="5" name="Footer Placeholder 5">
             <a:extLst>
               <a:ext uri="{FF2B5EF4-FFF2-40B4-BE49-F238E27FC236}">
-                <a16:creationId xmlns:a16="http://schemas.microsoft.com/office/drawing/2014/main" xmlns="" id="{6E49389B-B40F-453D-A47F-AE62962A581B}"/>
+                <a16:creationId xmlns="" xmlns:a16="http://schemas.microsoft.com/office/drawing/2014/main" id="{6E49389B-B40F-453D-A47F-AE62962A581B}"/>
               </a:ext>
             </a:extLst>
           </p:cNvPr>
@@ -9026,7 +9027,7 @@
           <p:cNvPr id="6" name="Slide Number Placeholder 6">
             <a:extLst>
               <a:ext uri="{FF2B5EF4-FFF2-40B4-BE49-F238E27FC236}">
-                <a16:creationId xmlns:a16="http://schemas.microsoft.com/office/drawing/2014/main" xmlns="" id="{9A1ED123-F952-4F27-AF4D-279015E6D33A}"/>
+                <a16:creationId xmlns="" xmlns:a16="http://schemas.microsoft.com/office/drawing/2014/main" id="{9A1ED123-F952-4F27-AF4D-279015E6D33A}"/>
               </a:ext>
             </a:extLst>
           </p:cNvPr>
@@ -9265,7 +9266,7 @@
           <p:cNvPr id="5" name="Footer Placeholder 5">
             <a:extLst>
               <a:ext uri="{FF2B5EF4-FFF2-40B4-BE49-F238E27FC236}">
-                <a16:creationId xmlns:a16="http://schemas.microsoft.com/office/drawing/2014/main" xmlns="" id="{1F411088-F020-4754-8135-637D879C6277}"/>
+                <a16:creationId xmlns="" xmlns:a16="http://schemas.microsoft.com/office/drawing/2014/main" id="{1F411088-F020-4754-8135-637D879C6277}"/>
               </a:ext>
             </a:extLst>
           </p:cNvPr>
@@ -9300,7 +9301,7 @@
           <p:cNvPr id="6" name="Slide Number Placeholder 6">
             <a:extLst>
               <a:ext uri="{FF2B5EF4-FFF2-40B4-BE49-F238E27FC236}">
-                <a16:creationId xmlns:a16="http://schemas.microsoft.com/office/drawing/2014/main" xmlns="" id="{A750E804-9E1F-413A-B5CC-80963C77AF42}"/>
+                <a16:creationId xmlns="" xmlns:a16="http://schemas.microsoft.com/office/drawing/2014/main" id="{A750E804-9E1F-413A-B5CC-80963C77AF42}"/>
               </a:ext>
             </a:extLst>
           </p:cNvPr>
@@ -9377,7 +9378,7 @@
           <p:cNvPr id="1026" name="Picture 1">
             <a:extLst>
               <a:ext uri="{FF2B5EF4-FFF2-40B4-BE49-F238E27FC236}">
-                <a16:creationId xmlns:a16="http://schemas.microsoft.com/office/drawing/2014/main" xmlns="" id="{96530771-74B1-497D-B425-EA5C5D6ECEB4}"/>
+                <a16:creationId xmlns="" xmlns:a16="http://schemas.microsoft.com/office/drawing/2014/main" id="{96530771-74B1-497D-B425-EA5C5D6ECEB4}"/>
               </a:ext>
             </a:extLst>
           </p:cNvPr>
@@ -9437,7 +9438,7 @@
           <p:cNvPr id="6" name="Footer Placeholder 5">
             <a:extLst>
               <a:ext uri="{FF2B5EF4-FFF2-40B4-BE49-F238E27FC236}">
-                <a16:creationId xmlns:a16="http://schemas.microsoft.com/office/drawing/2014/main" xmlns="" id="{990273E3-1402-4B9C-9D59-CA2C16F582C2}"/>
+                <a16:creationId xmlns="" xmlns:a16="http://schemas.microsoft.com/office/drawing/2014/main" id="{990273E3-1402-4B9C-9D59-CA2C16F582C2}"/>
               </a:ext>
             </a:extLst>
           </p:cNvPr>
@@ -9487,7 +9488,7 @@
           <p:cNvPr id="7" name="Slide Number Placeholder 6">
             <a:extLst>
               <a:ext uri="{FF2B5EF4-FFF2-40B4-BE49-F238E27FC236}">
-                <a16:creationId xmlns:a16="http://schemas.microsoft.com/office/drawing/2014/main" xmlns="" id="{3C64F51A-6968-4AFA-95C5-E83FB101CD2F}"/>
+                <a16:creationId xmlns="" xmlns:a16="http://schemas.microsoft.com/office/drawing/2014/main" id="{3C64F51A-6968-4AFA-95C5-E83FB101CD2F}"/>
               </a:ext>
             </a:extLst>
           </p:cNvPr>
@@ -9541,7 +9542,7 @@
           <p:cNvPr id="1029" name="Picture 2">
             <a:extLst>
               <a:ext uri="{FF2B5EF4-FFF2-40B4-BE49-F238E27FC236}">
-                <a16:creationId xmlns:a16="http://schemas.microsoft.com/office/drawing/2014/main" xmlns="" id="{6FE501E3-DE9F-490F-B0AE-61E84B47AD9B}"/>
+                <a16:creationId xmlns="" xmlns:a16="http://schemas.microsoft.com/office/drawing/2014/main" id="{6FE501E3-DE9F-490F-B0AE-61E84B47AD9B}"/>
               </a:ext>
             </a:extLst>
           </p:cNvPr>
@@ -10043,7 +10044,7 @@
           <p:cNvPr id="4" name="Slide Number Placeholder 3">
             <a:extLst>
               <a:ext uri="{FF2B5EF4-FFF2-40B4-BE49-F238E27FC236}">
-                <a16:creationId xmlns:a16="http://schemas.microsoft.com/office/drawing/2014/main" xmlns="" id="{64B955A4-C725-4E59-BAAE-F6A2754E58F6}"/>
+                <a16:creationId xmlns="" xmlns:a16="http://schemas.microsoft.com/office/drawing/2014/main" id="{64B955A4-C725-4E59-BAAE-F6A2754E58F6}"/>
               </a:ext>
             </a:extLst>
           </p:cNvPr>
@@ -10087,7 +10088,7 @@
           <p:cNvPr id="14" name="Picture 13" descr="Graphical user interface, application&#10;&#10;Description automatically generated">
             <a:extLst>
               <a:ext uri="{FF2B5EF4-FFF2-40B4-BE49-F238E27FC236}">
-                <a16:creationId xmlns:a16="http://schemas.microsoft.com/office/drawing/2014/main" xmlns="" id="{9E5B53EB-4ED3-4CC9-B0DD-AD19F7B07C97}"/>
+                <a16:creationId xmlns="" xmlns:a16="http://schemas.microsoft.com/office/drawing/2014/main" id="{9E5B53EB-4ED3-4CC9-B0DD-AD19F7B07C97}"/>
               </a:ext>
             </a:extLst>
           </p:cNvPr>
@@ -10123,7 +10124,7 @@
           <p:cNvPr id="3" name="Table 4">
             <a:extLst>
               <a:ext uri="{FF2B5EF4-FFF2-40B4-BE49-F238E27FC236}">
-                <a16:creationId xmlns:a16="http://schemas.microsoft.com/office/drawing/2014/main" xmlns="" id="{12ECC06D-C35B-4249-B8C2-D12C742F66C6}"/>
+                <a16:creationId xmlns="" xmlns:a16="http://schemas.microsoft.com/office/drawing/2014/main" id="{12ECC06D-C35B-4249-B8C2-D12C742F66C6}"/>
               </a:ext>
             </a:extLst>
           </p:cNvPr>
@@ -10153,7 +10154,7 @@
                 <a:gridCol w="9421452">
                   <a:extLst>
                     <a:ext uri="{9D8B030D-6E8A-4147-A177-3AD203B41FA5}">
-                      <a16:colId xmlns:a16="http://schemas.microsoft.com/office/drawing/2014/main" xmlns="" val="3158595523"/>
+                      <a16:colId xmlns="" xmlns:a16="http://schemas.microsoft.com/office/drawing/2014/main" val="3158595523"/>
                     </a:ext>
                   </a:extLst>
                 </a:gridCol>
@@ -10179,7 +10180,7 @@
                 </a:tc>
                 <a:extLst>
                   <a:ext uri="{0D108BD9-81ED-4DB2-BD59-A6C34878D82A}">
-                    <a16:rowId xmlns:a16="http://schemas.microsoft.com/office/drawing/2014/main" xmlns="" val="2309859720"/>
+                    <a16:rowId xmlns="" xmlns:a16="http://schemas.microsoft.com/office/drawing/2014/main" val="2309859720"/>
                   </a:ext>
                 </a:extLst>
               </a:tr>
@@ -10192,7 +10193,7 @@
           <p:cNvPr id="8" name="Table 4">
             <a:extLst>
               <a:ext uri="{FF2B5EF4-FFF2-40B4-BE49-F238E27FC236}">
-                <a16:creationId xmlns:a16="http://schemas.microsoft.com/office/drawing/2014/main" xmlns="" id="{92230C9D-41B7-4100-B028-0F8D66285A10}"/>
+                <a16:creationId xmlns="" xmlns:a16="http://schemas.microsoft.com/office/drawing/2014/main" id="{92230C9D-41B7-4100-B028-0F8D66285A10}"/>
               </a:ext>
             </a:extLst>
           </p:cNvPr>
@@ -10221,7 +10222,7 @@
                 <a:gridCol w="2410168">
                   <a:extLst>
                     <a:ext uri="{9D8B030D-6E8A-4147-A177-3AD203B41FA5}">
-                      <a16:colId xmlns:a16="http://schemas.microsoft.com/office/drawing/2014/main" xmlns="" val="3158595523"/>
+                      <a16:colId xmlns="" xmlns:a16="http://schemas.microsoft.com/office/drawing/2014/main" val="3158595523"/>
                     </a:ext>
                   </a:extLst>
                 </a:gridCol>
@@ -10243,7 +10244,7 @@
                 </a:tc>
                 <a:extLst>
                   <a:ext uri="{0D108BD9-81ED-4DB2-BD59-A6C34878D82A}">
-                    <a16:rowId xmlns:a16="http://schemas.microsoft.com/office/drawing/2014/main" xmlns="" val="2309859720"/>
+                    <a16:rowId xmlns="" xmlns:a16="http://schemas.microsoft.com/office/drawing/2014/main" val="2309859720"/>
                   </a:ext>
                 </a:extLst>
               </a:tr>
@@ -10280,7 +10281,7 @@
           <p:cNvPr id="9" name="Table 4">
             <a:extLst>
               <a:ext uri="{FF2B5EF4-FFF2-40B4-BE49-F238E27FC236}">
-                <a16:creationId xmlns:a16="http://schemas.microsoft.com/office/drawing/2014/main" xmlns="" id="{ED7CA0A8-41DF-4235-803E-CFAAE2E081E1}"/>
+                <a16:creationId xmlns="" xmlns:a16="http://schemas.microsoft.com/office/drawing/2014/main" id="{ED7CA0A8-41DF-4235-803E-CFAAE2E081E1}"/>
               </a:ext>
             </a:extLst>
           </p:cNvPr>
@@ -10309,7 +10310,7 @@
                 <a:gridCol w="2410168">
                   <a:extLst>
                     <a:ext uri="{9D8B030D-6E8A-4147-A177-3AD203B41FA5}">
-                      <a16:colId xmlns:a16="http://schemas.microsoft.com/office/drawing/2014/main" xmlns="" val="3158595523"/>
+                      <a16:colId xmlns="" xmlns:a16="http://schemas.microsoft.com/office/drawing/2014/main" val="3158595523"/>
                     </a:ext>
                   </a:extLst>
                 </a:gridCol>
@@ -10493,7 +10494,7 @@
                 </a:tc>
                 <a:extLst>
                   <a:ext uri="{0D108BD9-81ED-4DB2-BD59-A6C34878D82A}">
-                    <a16:rowId xmlns:a16="http://schemas.microsoft.com/office/drawing/2014/main" xmlns="" val="2309859720"/>
+                    <a16:rowId xmlns="" xmlns:a16="http://schemas.microsoft.com/office/drawing/2014/main" val="2309859720"/>
                   </a:ext>
                 </a:extLst>
               </a:tr>
@@ -10506,7 +10507,7 @@
           <p:cNvPr id="10" name="Table 4">
             <a:extLst>
               <a:ext uri="{FF2B5EF4-FFF2-40B4-BE49-F238E27FC236}">
-                <a16:creationId xmlns:a16="http://schemas.microsoft.com/office/drawing/2014/main" xmlns="" id="{F35010F6-0D70-4CDA-B0E0-3095BC4FEFC2}"/>
+                <a16:creationId xmlns="" xmlns:a16="http://schemas.microsoft.com/office/drawing/2014/main" id="{F35010F6-0D70-4CDA-B0E0-3095BC4FEFC2}"/>
               </a:ext>
             </a:extLst>
           </p:cNvPr>
@@ -10516,7 +10517,7 @@
           <p:nvPr>
             <p:extLst>
               <p:ext uri="{D42A27DB-BD31-4B8C-83A1-F6EECF244321}">
-                <p14:modId xmlns:p14="http://schemas.microsoft.com/office/powerpoint/2010/main" val="467745680"/>
+                <p14:modId xmlns:p14="http://schemas.microsoft.com/office/powerpoint/2010/main" val="3277787047"/>
               </p:ext>
             </p:extLst>
           </p:nvPr>
@@ -10535,7 +10536,7 @@
                 <a:gridCol w="9421452">
                   <a:extLst>
                     <a:ext uri="{9D8B030D-6E8A-4147-A177-3AD203B41FA5}">
-                      <a16:colId xmlns:a16="http://schemas.microsoft.com/office/drawing/2014/main" xmlns="" val="3158595523"/>
+                      <a16:colId xmlns="" xmlns:a16="http://schemas.microsoft.com/office/drawing/2014/main" val="3158595523"/>
                     </a:ext>
                   </a:extLst>
                 </a:gridCol>
@@ -10584,31 +10585,7 @@
                             <a:schemeClr val="tx1"/>
                           </a:solidFill>
                         </a:rPr>
-                        <a:t>(Instruction given </a:t>
-                      </a:r>
-                      <a:r>
-                        <a:rPr lang="en-US" sz="1800" b="0" i="1" baseline="0" err="1" smtClean="0">
-                          <a:solidFill>
-                            <a:schemeClr val="tx1"/>
-                          </a:solidFill>
-                        </a:rPr>
-                        <a:t>is</a:t>
-                      </a:r>
-                      <a:r>
-                        <a:rPr lang="en-US" sz="1800" b="0" i="1" baseline="0" smtClean="0">
-                          <a:solidFill>
-                            <a:schemeClr val="tx1"/>
-                          </a:solidFill>
-                        </a:rPr>
-                        <a:t>: Narrate </a:t>
-                      </a:r>
-                      <a:r>
-                        <a:rPr lang="en-US" sz="1800" b="0" i="1" baseline="0" dirty="0" smtClean="0">
-                          <a:solidFill>
-                            <a:schemeClr val="tx1"/>
-                          </a:solidFill>
-                        </a:rPr>
-                        <a:t>in 3 – 5 steps)</a:t>
+                        <a:t>(Instruction given is: Narrate in 3 – 5 steps)</a:t>
                       </a:r>
                     </a:p>
                     <a:p>
@@ -10629,10 +10606,152 @@
                             <a:schemeClr val="tx1"/>
                           </a:solidFill>
                         </a:rPr>
-                        <a:t>Desciption of tables used, and about all the files and how we integrated them and about execution part..</a:t>
+                        <a:t>We Developed a web application for Order book system</a:t>
                       </a:r>
                     </a:p>
                     <a:p>
+                      <a:pPr marL="285750" indent="-285750">
+                        <a:buFont typeface="Arial" panose="020B0604020202020204" pitchFamily="34" charset="0"/>
+                        <a:buChar char="•"/>
+                      </a:pPr>
+                      <a:endParaRPr lang="en-US" sz="1800" b="0" i="0" baseline="0" dirty="0" smtClean="0">
+                        <a:solidFill>
+                          <a:schemeClr val="tx1"/>
+                        </a:solidFill>
+                      </a:endParaRPr>
+                    </a:p>
+                    <a:p>
+                      <a:pPr marL="285750" indent="-285750">
+                        <a:buFont typeface="Arial" panose="020B0604020202020204" pitchFamily="34" charset="0"/>
+                        <a:buChar char="•"/>
+                      </a:pPr>
+                      <a:r>
+                        <a:rPr lang="en-US" sz="1800" b="0" i="0" baseline="0" dirty="0" smtClean="0">
+                          <a:solidFill>
+                            <a:schemeClr val="tx1"/>
+                          </a:solidFill>
+                        </a:rPr>
+                        <a:t>User’s table , Orders table used . Login page , signup pages are used to maintain user’s login credentials.</a:t>
+                      </a:r>
+                    </a:p>
+                    <a:p>
+                      <a:pPr marL="285750" indent="-285750">
+                        <a:buFont typeface="Arial" panose="020B0604020202020204" pitchFamily="34" charset="0"/>
+                        <a:buChar char="•"/>
+                      </a:pPr>
+                      <a:endParaRPr lang="en-US" sz="1800" b="0" i="0" baseline="0" dirty="0" smtClean="0">
+                        <a:solidFill>
+                          <a:schemeClr val="tx1"/>
+                        </a:solidFill>
+                      </a:endParaRPr>
+                    </a:p>
+                    <a:p>
+                      <a:pPr marL="285750" indent="-285750">
+                        <a:buFont typeface="Arial" panose="020B0604020202020204" pitchFamily="34" charset="0"/>
+                        <a:buChar char="•"/>
+                      </a:pPr>
+                      <a:r>
+                        <a:rPr lang="en-US" sz="1800" b="0" i="0" baseline="0" dirty="0" smtClean="0">
+                          <a:solidFill>
+                            <a:schemeClr val="tx1"/>
+                          </a:solidFill>
+                        </a:rPr>
+                        <a:t>Servlets, DAOs , DTOs to integrate Database and frontend.</a:t>
+                      </a:r>
+                    </a:p>
+                    <a:p>
+                      <a:pPr marL="285750" indent="-285750">
+                        <a:buFont typeface="Arial" panose="020B0604020202020204" pitchFamily="34" charset="0"/>
+                        <a:buChar char="•"/>
+                      </a:pPr>
+                      <a:endParaRPr lang="en-US" sz="1800" b="0" i="0" baseline="0" dirty="0" smtClean="0">
+                        <a:solidFill>
+                          <a:schemeClr val="tx1"/>
+                        </a:solidFill>
+                      </a:endParaRPr>
+                    </a:p>
+                    <a:p>
+                      <a:pPr marL="285750" indent="-285750">
+                        <a:buFont typeface="Arial" panose="020B0604020202020204" pitchFamily="34" charset="0"/>
+                        <a:buChar char="•"/>
+                      </a:pPr>
+                      <a:r>
+                        <a:rPr lang="en-US" sz="1800" b="0" i="0" baseline="0" dirty="0" smtClean="0">
+                          <a:solidFill>
+                            <a:schemeClr val="tx1"/>
+                          </a:solidFill>
+                        </a:rPr>
+                        <a:t>Used HTML, CSS</a:t>
+                      </a:r>
+                      <a:r>
+                        <a:rPr lang="en-US" sz="1800" b="0" i="0" baseline="0" smtClean="0">
+                          <a:solidFill>
+                            <a:schemeClr val="tx1"/>
+                          </a:solidFill>
+                        </a:rPr>
+                        <a:t>, BOOTSTRAP, JSP </a:t>
+                      </a:r>
+                      <a:r>
+                        <a:rPr lang="en-US" sz="1800" b="0" i="0" baseline="0" dirty="0" smtClean="0">
+                          <a:solidFill>
+                            <a:schemeClr val="tx1"/>
+                          </a:solidFill>
+                        </a:rPr>
+                        <a:t>for  designing frontend.</a:t>
+                      </a:r>
+                    </a:p>
+                    <a:p>
+                      <a:pPr marL="285750" indent="-285750">
+                        <a:buFont typeface="Arial" panose="020B0604020202020204" pitchFamily="34" charset="0"/>
+                        <a:buChar char="•"/>
+                      </a:pPr>
+                      <a:endParaRPr lang="en-US" sz="1800" b="0" i="0" baseline="0" dirty="0" smtClean="0">
+                        <a:solidFill>
+                          <a:schemeClr val="tx1"/>
+                        </a:solidFill>
+                      </a:endParaRPr>
+                    </a:p>
+                    <a:p>
+                      <a:pPr marL="285750" indent="-285750">
+                        <a:buFont typeface="Arial" panose="020B0604020202020204" pitchFamily="34" charset="0"/>
+                        <a:buChar char="•"/>
+                      </a:pPr>
+                      <a:r>
+                        <a:rPr lang="en-US" sz="1800" b="0" i="0" baseline="0" dirty="0" smtClean="0">
+                          <a:solidFill>
+                            <a:schemeClr val="tx1"/>
+                          </a:solidFill>
+                        </a:rPr>
+                        <a:t>MySQL database used</a:t>
+                      </a:r>
+                    </a:p>
+                    <a:p>
+                      <a:pPr marL="285750" indent="-285750">
+                        <a:buFont typeface="Arial" panose="020B0604020202020204" pitchFamily="34" charset="0"/>
+                        <a:buChar char="•"/>
+                      </a:pPr>
+                      <a:endParaRPr lang="en-US" sz="1800" b="0" i="0" baseline="0" dirty="0" smtClean="0">
+                        <a:solidFill>
+                          <a:schemeClr val="tx1"/>
+                        </a:solidFill>
+                      </a:endParaRPr>
+                    </a:p>
+                    <a:p>
+                      <a:pPr marL="285750" indent="-285750">
+                        <a:buFont typeface="Arial" panose="020B0604020202020204" pitchFamily="34" charset="0"/>
+                        <a:buChar char="•"/>
+                      </a:pPr>
+                      <a:endParaRPr lang="en-US" sz="1800" b="0" i="0" baseline="0" dirty="0" smtClean="0">
+                        <a:solidFill>
+                          <a:schemeClr val="tx1"/>
+                        </a:solidFill>
+                      </a:endParaRPr>
+                    </a:p>
+                    <a:p>
+                      <a:pPr marL="285750" indent="-285750">
+                        <a:buFont typeface="Arial" panose="020B0604020202020204" pitchFamily="34" charset="0"/>
+                        <a:buChar char="•"/>
+                      </a:pPr>
                       <a:endParaRPr lang="en-US" sz="1800" b="1" i="0" baseline="0" dirty="0" smtClean="0">
                         <a:solidFill>
                           <a:schemeClr val="tx1"/>
@@ -10657,7 +10776,7 @@
                 </a:tc>
                 <a:extLst>
                   <a:ext uri="{0D108BD9-81ED-4DB2-BD59-A6C34878D82A}">
-                    <a16:rowId xmlns:a16="http://schemas.microsoft.com/office/drawing/2014/main" xmlns="" val="2309859720"/>
+                    <a16:rowId xmlns="" xmlns:a16="http://schemas.microsoft.com/office/drawing/2014/main" val="2309859720"/>
                   </a:ext>
                 </a:extLst>
               </a:tr>
@@ -10669,6 +10788,152 @@
     <p:extLst>
       <p:ext uri="{BB962C8B-B14F-4D97-AF65-F5344CB8AC3E}">
         <p14:creationId xmlns:p14="http://schemas.microsoft.com/office/powerpoint/2010/main" val="1647784935"/>
+      </p:ext>
+    </p:extLst>
+  </p:cSld>
+  <p:clrMapOvr>
+    <a:masterClrMapping/>
+  </p:clrMapOvr>
+</p:sld>
+</file>
+
+<file path=ppt/slides/slide2.xml><?xml version="1.0" encoding="utf-8"?>
+<p:sld xmlns:a="http://schemas.openxmlformats.org/drawingml/2006/main" xmlns:r="http://schemas.openxmlformats.org/officeDocument/2006/relationships" xmlns:p="http://schemas.openxmlformats.org/presentationml/2006/main">
+  <p:cSld>
+    <p:spTree>
+      <p:nvGrpSpPr>
+        <p:cNvPr id="1" name=""/>
+        <p:cNvGrpSpPr/>
+        <p:nvPr/>
+      </p:nvGrpSpPr>
+      <p:grpSpPr>
+        <a:xfrm>
+          <a:off x="0" y="0"/>
+          <a:ext cx="0" cy="0"/>
+          <a:chOff x="0" y="0"/>
+          <a:chExt cx="0" cy="0"/>
+        </a:xfrm>
+      </p:grpSpPr>
+      <p:pic>
+        <p:nvPicPr>
+          <p:cNvPr id="4" name="Picture 3"/>
+          <p:cNvPicPr>
+            <a:picLocks noChangeAspect="1"/>
+          </p:cNvPicPr>
+          <p:nvPr/>
+        </p:nvPicPr>
+        <p:blipFill rotWithShape="1">
+          <a:blip r:embed="rId2">
+            <a:extLst>
+              <a:ext uri="{28A0092B-C50C-407E-A947-70E740481C1C}">
+                <a14:useLocalDpi xmlns:a14="http://schemas.microsoft.com/office/drawing/2010/main" val="0"/>
+              </a:ext>
+            </a:extLst>
+          </a:blip>
+          <a:srcRect l="26306" r="27373" b="5616"/>
+          <a:stretch/>
+        </p:blipFill>
+        <p:spPr>
+          <a:xfrm>
+            <a:off x="1782239" y="3204824"/>
+            <a:ext cx="3315199" cy="3298334"/>
+          </a:xfrm>
+          <a:prstGeom prst="rect">
+            <a:avLst/>
+          </a:prstGeom>
+        </p:spPr>
+      </p:pic>
+      <p:pic>
+        <p:nvPicPr>
+          <p:cNvPr id="5" name="Picture 4"/>
+          <p:cNvPicPr>
+            <a:picLocks noChangeAspect="1"/>
+          </p:cNvPicPr>
+          <p:nvPr/>
+        </p:nvPicPr>
+        <p:blipFill rotWithShape="1">
+          <a:blip r:embed="rId3">
+            <a:extLst>
+              <a:ext uri="{28A0092B-C50C-407E-A947-70E740481C1C}">
+                <a14:useLocalDpi xmlns:a14="http://schemas.microsoft.com/office/drawing/2010/main" val="0"/>
+              </a:ext>
+            </a:extLst>
+          </a:blip>
+          <a:srcRect l="29700" t="2682" r="25980" b="4857"/>
+          <a:stretch/>
+        </p:blipFill>
+        <p:spPr>
+          <a:xfrm>
+            <a:off x="5308979" y="311774"/>
+            <a:ext cx="3125335" cy="3952034"/>
+          </a:xfrm>
+          <a:prstGeom prst="rect">
+            <a:avLst/>
+          </a:prstGeom>
+        </p:spPr>
+      </p:pic>
+      <p:pic>
+        <p:nvPicPr>
+          <p:cNvPr id="6" name="Picture 5"/>
+          <p:cNvPicPr>
+            <a:picLocks noChangeAspect="1"/>
+          </p:cNvPicPr>
+          <p:nvPr/>
+        </p:nvPicPr>
+        <p:blipFill rotWithShape="1">
+          <a:blip r:embed="rId4">
+            <a:extLst>
+              <a:ext uri="{28A0092B-C50C-407E-A947-70E740481C1C}">
+                <a14:useLocalDpi xmlns:a14="http://schemas.microsoft.com/office/drawing/2010/main" val="0"/>
+              </a:ext>
+            </a:extLst>
+          </a:blip>
+          <a:srcRect l="28955" t="4804" r="28727" b="10421"/>
+          <a:stretch/>
+        </p:blipFill>
+        <p:spPr>
+          <a:xfrm>
+            <a:off x="8857396" y="401868"/>
+            <a:ext cx="3111689" cy="3048616"/>
+          </a:xfrm>
+          <a:prstGeom prst="rect">
+            <a:avLst/>
+          </a:prstGeom>
+        </p:spPr>
+      </p:pic>
+      <p:pic>
+        <p:nvPicPr>
+          <p:cNvPr id="7" name="Picture 6"/>
+          <p:cNvPicPr>
+            <a:picLocks noChangeAspect="1"/>
+          </p:cNvPicPr>
+          <p:nvPr/>
+        </p:nvPicPr>
+        <p:blipFill rotWithShape="1">
+          <a:blip r:embed="rId5">
+            <a:extLst>
+              <a:ext uri="{28A0092B-C50C-407E-A947-70E740481C1C}">
+                <a14:useLocalDpi xmlns:a14="http://schemas.microsoft.com/office/drawing/2010/main" val="0"/>
+              </a:ext>
+            </a:extLst>
+          </a:blip>
+          <a:srcRect l="25848" t="5805" r="23541" b="21943"/>
+          <a:stretch/>
+        </p:blipFill>
+        <p:spPr>
+          <a:xfrm>
+            <a:off x="300251" y="311774"/>
+            <a:ext cx="4039573" cy="2784341"/>
+          </a:xfrm>
+          <a:prstGeom prst="rect">
+            <a:avLst/>
+          </a:prstGeom>
+        </p:spPr>
+      </p:pic>
+    </p:spTree>
+    <p:extLst>
+      <p:ext uri="{BB962C8B-B14F-4D97-AF65-F5344CB8AC3E}">
+        <p14:creationId xmlns:p14="http://schemas.microsoft.com/office/powerpoint/2010/main" val="2415272775"/>
       </p:ext>
     </p:extLst>
   </p:cSld>
@@ -11656,6 +11921,21 @@
 </file>
 
 <file path=customXml/item1.xml><?xml version="1.0" encoding="utf-8"?>
+<?mso-contentType ?>
+<FormTemplates xmlns="http://schemas.microsoft.com/sharepoint/v3/contenttype/forms">
+  <Display>DocumentLibraryForm</Display>
+  <Edit>DocumentLibraryForm</Edit>
+  <New>DocumentLibraryForm</New>
+</FormTemplates>
+</file>
+
+<file path=customXml/item2.xml><?xml version="1.0" encoding="utf-8"?>
+<p:properties xmlns:p="http://schemas.microsoft.com/office/2006/metadata/properties" xmlns:xsi="http://www.w3.org/2001/XMLSchema-instance" xmlns:pc="http://schemas.microsoft.com/office/infopath/2007/PartnerControls">
+  <documentManagement/>
+</p:properties>
+</file>
+
+<file path=customXml/item3.xml><?xml version="1.0" encoding="utf-8"?>
 <ct:contentTypeSchema xmlns:ct="http://schemas.microsoft.com/office/2006/metadata/contentType" xmlns:ma="http://schemas.microsoft.com/office/2006/metadata/properties/metaAttributes" ct:_="" ma:_="" ma:contentTypeName="Document" ma:contentTypeID="0x0101004020E4DEB0497C458B954548DD4A73F4" ma:contentTypeVersion="12" ma:contentTypeDescription="Create a new document." ma:contentTypeScope="" ma:versionID="b1951c2690ae5ece0cce037122a67d78">
   <xsd:schema xmlns:xsd="http://www.w3.org/2001/XMLSchema" xmlns:xs="http://www.w3.org/2001/XMLSchema" xmlns:p="http://schemas.microsoft.com/office/2006/metadata/properties" xmlns:ns3="b209ce39-d63a-4ae4-b232-491d9071a92f" xmlns:ns4="65dd89c1-60ce-47aa-b3ee-261061ee8efc" targetNamespace="http://schemas.microsoft.com/office/2006/metadata/properties" ma:root="true" ma:fieldsID="35d3d5d1820252964fc291efb657c74d" ns3:_="" ns4:_="">
     <xsd:import namespace="b209ce39-d63a-4ae4-b232-491d9071a92f"/>
@@ -11872,22 +12152,24 @@
 </ct:contentTypeSchema>
 </file>
 
-<file path=customXml/item2.xml><?xml version="1.0" encoding="utf-8"?>
-<p:properties xmlns:p="http://schemas.microsoft.com/office/2006/metadata/properties" xmlns:xsi="http://www.w3.org/2001/XMLSchema-instance" xmlns:pc="http://schemas.microsoft.com/office/infopath/2007/PartnerControls">
-  <documentManagement/>
-</p:properties>
+<file path=customXml/itemProps1.xml><?xml version="1.0" encoding="utf-8"?>
+<ds:datastoreItem xmlns:ds="http://schemas.openxmlformats.org/officeDocument/2006/customXml" ds:itemID="{FDD960E8-200C-4738-8532-C62F5A445B07}">
+  <ds:schemaRefs>
+    <ds:schemaRef ds:uri="http://schemas.microsoft.com/sharepoint/v3/contenttype/forms"/>
+  </ds:schemaRefs>
+</ds:datastoreItem>
 </file>
 
-<file path=customXml/item3.xml><?xml version="1.0" encoding="utf-8"?>
-<?mso-contentType ?>
-<FormTemplates xmlns="http://schemas.microsoft.com/sharepoint/v3/contenttype/forms">
-  <Display>DocumentLibraryForm</Display>
-  <Edit>DocumentLibraryForm</Edit>
-  <New>DocumentLibraryForm</New>
-</FormTemplates>
+<file path=customXml/itemProps2.xml><?xml version="1.0" encoding="utf-8"?>
+<ds:datastoreItem xmlns:ds="http://schemas.openxmlformats.org/officeDocument/2006/customXml" ds:itemID="{49FEA569-5281-404C-98B5-AD05C64CD0D6}">
+  <ds:schemaRefs>
+    <ds:schemaRef ds:uri="http://schemas.microsoft.com/office/2006/metadata/properties"/>
+    <ds:schemaRef ds:uri="http://schemas.microsoft.com/office/infopath/2007/PartnerControls"/>
+  </ds:schemaRefs>
+</ds:datastoreItem>
 </file>
 
-<file path=customXml/itemProps1.xml><?xml version="1.0" encoding="utf-8"?>
+<file path=customXml/itemProps3.xml><?xml version="1.0" encoding="utf-8"?>
 <ds:datastoreItem xmlns:ds="http://schemas.openxmlformats.org/officeDocument/2006/customXml" ds:itemID="{3E140D02-2E9E-482F-B0D0-990A44A98911}">
   <ds:schemaRefs>
     <ds:schemaRef ds:uri="65dd89c1-60ce-47aa-b3ee-261061ee8efc"/>
@@ -11904,21 +12186,4 @@
     <ds:schemaRef ds:uri="http://www.w3.org/2001/XMLSchema"/>
   </ds:schemaRefs>
 </ds:datastoreItem>
-</file>
-
-<file path=customXml/itemProps2.xml><?xml version="1.0" encoding="utf-8"?>
-<ds:datastoreItem xmlns:ds="http://schemas.openxmlformats.org/officeDocument/2006/customXml" ds:itemID="{49FEA569-5281-404C-98B5-AD05C64CD0D6}">
-  <ds:schemaRefs>
-    <ds:schemaRef ds:uri="http://schemas.microsoft.com/office/2006/metadata/properties"/>
-    <ds:schemaRef ds:uri="http://schemas.microsoft.com/office/infopath/2007/PartnerControls"/>
-  </ds:schemaRefs>
-</ds:datastoreItem>
-</file>
-
-<file path=customXml/itemProps3.xml><?xml version="1.0" encoding="utf-8"?>
-<ds:datastoreItem xmlns:ds="http://schemas.openxmlformats.org/officeDocument/2006/customXml" ds:itemID="{FDD960E8-200C-4738-8532-C62F5A445B07}">
-  <ds:schemaRefs>
-    <ds:schemaRef ds:uri="http://schemas.microsoft.com/sharepoint/v3/contenttype/forms"/>
-  </ds:schemaRefs>
-</ds:datastoreItem>
 </file>